--- a/Blue Business Plan.ppt PROPOSAL.pptx
+++ b/Blue Business Plan.ppt PROPOSAL.pptx
@@ -3691,7 +3691,7 @@
               <a:t>We'll also look at operational efficiency, measuring things like processing time and resource utilization, to make sure everything is running smoothly. Finally, we'll keep an eye on user satisfaction through surveys and feedback forms to understand how well the solution meets their needs. These KPIs should give us a solid understanding of the solution's overall</a:t>
             </a:r>
             <a:r>
-              <a:rPr lang="" altLang="en-US" sz="2000">
+              <a:rPr lang="en-US" altLang="en-US" sz="2000">
                 <a:solidFill>
                   <a:schemeClr val="bg1"/>
                 </a:solidFill>
@@ -3940,7 +3940,7 @@
               <a:t>In today's competitive landscape, acquiring new customers efficiently and effectively is paramount. Traditional marketing approaches often rely on broad targeting, resulting in wasted resources and diluted impact. This proposal outlines a strategy to leverage the power of a Data Management Platform (DMP) to build predictive audience models, enabling highly targeted and efficient new customer acquisition. By analyzing existing customer data and identifying key attributes, we can create lookalike audiences and target potential customers who exhibit a high propensity to convert. This approach will not only improve the ROI of marketing campaigns but also enhance the overall customer acquisition process, driving sustainable growth for the</a:t>
             </a:r>
             <a:r>
-              <a:rPr lang="" altLang="en-US">
+              <a:rPr lang="en-US" altLang="en-US">
                 <a:solidFill>
                   <a:schemeClr val="accent1">
                     <a:lumMod val="20000"/>
@@ -4439,7 +4439,7 @@
               <a:t>5.  Audience Creation: The DMP will create targeted audiences based on the predictive models. These audiences will consist of potential customers who have a high propensity</a:t>
             </a:r>
             <a:r>
-              <a:rPr lang="" altLang="en-US">
+              <a:rPr lang="en-US" altLang="en-US">
                 <a:solidFill>
                   <a:schemeClr val="bg1"/>
                 </a:solidFill>
@@ -4459,7 +4459,7 @@
               <a:t>to</a:t>
             </a:r>
             <a:r>
-              <a:rPr lang="" altLang="en-US">
+              <a:rPr lang="en-US" altLang="en-US">
                 <a:solidFill>
                   <a:schemeClr val="bg1"/>
                 </a:solidFill>
